--- a/操作説明書.pptx
+++ b/操作説明書.pptx
@@ -3814,8 +3814,8 @@
         </p:blipFill>
         <p:spPr>
           <a:xfrm>
-            <a:off x="381000" y="1289503"/>
-            <a:ext cx="5029200" cy="2771775"/>
+            <a:off x="381000" y="1289504"/>
+            <a:ext cx="3472655" cy="1913906"/>
           </a:xfrm>
           <a:prstGeom prst="rect">
             <a:avLst/>
@@ -3844,7 +3844,7 @@
         <p:spPr>
           <a:xfrm>
             <a:off x="809625" y="3807502"/>
-            <a:ext cx="4800600" cy="2657475"/>
+            <a:ext cx="2864304" cy="1585597"/>
           </a:xfrm>
           <a:prstGeom prst="rect">
             <a:avLst/>
@@ -3872,8 +3872,8 @@
         </p:blipFill>
         <p:spPr>
           <a:xfrm>
-            <a:off x="4950122" y="2364465"/>
-            <a:ext cx="5048250" cy="2790825"/>
+            <a:off x="4950122" y="2364466"/>
+            <a:ext cx="2900308" cy="1603378"/>
           </a:xfrm>
           <a:prstGeom prst="rect">
             <a:avLst/>

--- a/操作説明書.pptx
+++ b/操作説明書.pptx
@@ -3390,7 +3390,7 @@
                 <a:latin typeface="HGP創英角ﾎﾟｯﾌﾟ体" panose="040B0A00000000000000" pitchFamily="50" charset="-128"/>
                 <a:ea typeface="HGP創英角ﾎﾟｯﾌﾟ体" panose="040B0A00000000000000" pitchFamily="50" charset="-128"/>
               </a:rPr>
-              <a:t> 操作</a:t>
+              <a:t> </a:t>
             </a:r>
             <a:r>
               <a:rPr lang="ja-JP" altLang="en-US" sz="3600" dirty="0" smtClean="0">
@@ -3414,7 +3414,7 @@
         </p:nvSpPr>
         <p:spPr>
           <a:xfrm>
-            <a:off x="8877300" y="839788"/>
+            <a:off x="8758032" y="800032"/>
             <a:ext cx="3314700" cy="1631216"/>
           </a:xfrm>
           <a:prstGeom prst="rect">
@@ -3532,7 +3532,7 @@
         </p:blipFill>
         <p:spPr>
           <a:xfrm>
-            <a:off x="8872537" y="5755632"/>
+            <a:off x="8753269" y="5715876"/>
             <a:ext cx="2251670" cy="889315"/>
           </a:xfrm>
           <a:prstGeom prst="rect">
@@ -3568,7 +3568,7 @@
         </p:blipFill>
         <p:spPr>
           <a:xfrm>
-            <a:off x="11252613" y="5755632"/>
+            <a:off x="11133345" y="5715876"/>
             <a:ext cx="929862" cy="873750"/>
           </a:xfrm>
           <a:prstGeom prst="rect">
@@ -3584,7 +3584,7 @@
         </p:nvSpPr>
         <p:spPr>
           <a:xfrm>
-            <a:off x="8877300" y="3706771"/>
+            <a:off x="8758032" y="3667015"/>
             <a:ext cx="3305175" cy="1631216"/>
           </a:xfrm>
           <a:prstGeom prst="rect">
@@ -3736,7 +3736,7 @@
         </p:nvSpPr>
         <p:spPr>
           <a:xfrm>
-            <a:off x="0" y="643172"/>
+            <a:off x="0" y="644246"/>
             <a:ext cx="12182475" cy="584775"/>
           </a:xfrm>
           <a:prstGeom prst="rect">
@@ -3809,13 +3809,13 @@
               </a:ext>
             </a:extLst>
           </a:blip>
-          <a:srcRect l="4687" t="12222" r="54063" b="6944"/>
+          <a:srcRect l="13951" t="37377" r="64038" b="24571"/>
           <a:stretch/>
         </p:blipFill>
         <p:spPr>
           <a:xfrm>
-            <a:off x="381000" y="1289504"/>
-            <a:ext cx="3472655" cy="1913906"/>
+            <a:off x="155575" y="686854"/>
+            <a:ext cx="3078513" cy="1501542"/>
           </a:xfrm>
           <a:prstGeom prst="rect">
             <a:avLst/>
@@ -3838,13 +3838,13 @@
               </a:ext>
             </a:extLst>
           </a:blip>
-          <a:srcRect l="5156" t="11389" r="55469" b="11111"/>
+          <a:srcRect l="6136" t="20935" r="56455" b="13394"/>
           <a:stretch/>
         </p:blipFill>
         <p:spPr>
           <a:xfrm>
-            <a:off x="809625" y="3807502"/>
-            <a:ext cx="2864304" cy="1585597"/>
+            <a:off x="155573" y="2790500"/>
+            <a:ext cx="3078515" cy="1405289"/>
           </a:xfrm>
           <a:prstGeom prst="rect">
             <a:avLst/>
@@ -3867,13 +3867,199 @@
               </a:ext>
             </a:extLst>
           </a:blip>
-          <a:srcRect l="4454" t="11112" r="54141" b="7500"/>
+          <a:srcRect l="8335" t="16599" r="58447" b="9306"/>
           <a:stretch/>
         </p:blipFill>
         <p:spPr>
           <a:xfrm>
-            <a:off x="4950122" y="2364466"/>
-            <a:ext cx="2900308" cy="1603378"/>
+            <a:off x="121504" y="4535307"/>
+            <a:ext cx="3112584" cy="1838005"/>
+          </a:xfrm>
+          <a:prstGeom prst="rect">
+            <a:avLst/>
+          </a:prstGeom>
+        </p:spPr>
+      </p:pic>
+      <p:sp>
+        <p:nvSpPr>
+          <p:cNvPr id="19" name="テキスト ボックス 18"/>
+          <p:cNvSpPr txBox="1"/>
+          <p:nvPr/>
+        </p:nvSpPr>
+        <p:spPr>
+          <a:xfrm>
+            <a:off x="121504" y="2195982"/>
+            <a:ext cx="3622723" cy="584775"/>
+          </a:xfrm>
+          <a:prstGeom prst="rect">
+            <a:avLst/>
+          </a:prstGeom>
+          <a:noFill/>
+        </p:spPr>
+        <p:txBody>
+          <a:bodyPr wrap="square" rtlCol="0">
+            <a:spAutoFit/>
+          </a:bodyPr>
+          <a:lstStyle/>
+          <a:p>
+            <a:r>
+              <a:rPr lang="en-US" altLang="ja-JP" sz="1600" dirty="0" err="1" smtClean="0">
+                <a:latin typeface="HGP創英角ﾎﾟｯﾌﾟ体" panose="040B0A00000000000000" pitchFamily="50" charset="-128"/>
+                <a:ea typeface="HGP創英角ﾎﾟｯﾌﾟ体" panose="040B0A00000000000000" pitchFamily="50" charset="-128"/>
+              </a:rPr>
+              <a:t>CreateRoom</a:t>
+            </a:r>
+            <a:r>
+              <a:rPr lang="ja-JP" altLang="en-US" sz="1600" dirty="0" smtClean="0">
+                <a:latin typeface="HGP創英角ﾎﾟｯﾌﾟ体" panose="040B0A00000000000000" pitchFamily="50" charset="-128"/>
+                <a:ea typeface="HGP創英角ﾎﾟｯﾌﾟ体" panose="040B0A00000000000000" pitchFamily="50" charset="-128"/>
+              </a:rPr>
+              <a:t>  部屋を作る</a:t>
+            </a:r>
+            <a:endParaRPr lang="en-US" altLang="ja-JP" sz="1600" dirty="0" smtClean="0">
+              <a:latin typeface="HGP創英角ﾎﾟｯﾌﾟ体" panose="040B0A00000000000000" pitchFamily="50" charset="-128"/>
+              <a:ea typeface="HGP創英角ﾎﾟｯﾌﾟ体" panose="040B0A00000000000000" pitchFamily="50" charset="-128"/>
+            </a:endParaRPr>
+          </a:p>
+          <a:p>
+            <a:r>
+              <a:rPr lang="en-US" altLang="ja-JP" sz="1600" dirty="0" smtClean="0">
+                <a:latin typeface="HGP創英角ﾎﾟｯﾌﾟ体" panose="040B0A00000000000000" pitchFamily="50" charset="-128"/>
+                <a:ea typeface="HGP創英角ﾎﾟｯﾌﾟ体" panose="040B0A00000000000000" pitchFamily="50" charset="-128"/>
+              </a:rPr>
+              <a:t>Find Room     </a:t>
+            </a:r>
+            <a:r>
+              <a:rPr lang="ja-JP" altLang="en-US" sz="1600" dirty="0" smtClean="0">
+                <a:latin typeface="HGP創英角ﾎﾟｯﾌﾟ体" panose="040B0A00000000000000" pitchFamily="50" charset="-128"/>
+                <a:ea typeface="HGP創英角ﾎﾟｯﾌﾟ体" panose="040B0A00000000000000" pitchFamily="50" charset="-128"/>
+              </a:rPr>
+              <a:t>作られている部屋に入る</a:t>
+            </a:r>
+            <a:endParaRPr lang="en-US" altLang="ja-JP" sz="1600" dirty="0" smtClean="0">
+              <a:latin typeface="HGP創英角ﾎﾟｯﾌﾟ体" panose="040B0A00000000000000" pitchFamily="50" charset="-128"/>
+              <a:ea typeface="HGP創英角ﾎﾟｯﾌﾟ体" panose="040B0A00000000000000" pitchFamily="50" charset="-128"/>
+            </a:endParaRPr>
+          </a:p>
+        </p:txBody>
+      </p:sp>
+      <p:sp>
+        <p:nvSpPr>
+          <p:cNvPr id="20" name="テキスト ボックス 19"/>
+          <p:cNvSpPr txBox="1"/>
+          <p:nvPr/>
+        </p:nvSpPr>
+        <p:spPr>
+          <a:xfrm>
+            <a:off x="55768" y="4182448"/>
+            <a:ext cx="4124407" cy="338554"/>
+          </a:xfrm>
+          <a:prstGeom prst="rect">
+            <a:avLst/>
+          </a:prstGeom>
+          <a:noFill/>
+        </p:spPr>
+        <p:txBody>
+          <a:bodyPr wrap="square" rtlCol="0">
+            <a:spAutoFit/>
+          </a:bodyPr>
+          <a:lstStyle/>
+          <a:p>
+            <a:r>
+              <a:rPr lang="ja-JP" altLang="en-US" sz="1600" dirty="0" smtClean="0">
+                <a:latin typeface="HGP創英角ﾎﾟｯﾌﾟ体" panose="040B0A00000000000000" pitchFamily="50" charset="-128"/>
+                <a:ea typeface="HGP創英角ﾎﾟｯﾌﾟ体" panose="040B0A00000000000000" pitchFamily="50" charset="-128"/>
+              </a:rPr>
+              <a:t>部屋の名前を付ける（半角のみ対応）</a:t>
+            </a:r>
+            <a:endParaRPr kumimoji="1" lang="ja-JP" altLang="en-US" sz="1600" dirty="0">
+              <a:latin typeface="HGP創英角ﾎﾟｯﾌﾟ体" panose="040B0A00000000000000" pitchFamily="50" charset="-128"/>
+              <a:ea typeface="HGP創英角ﾎﾟｯﾌﾟ体" panose="040B0A00000000000000" pitchFamily="50" charset="-128"/>
+            </a:endParaRPr>
+          </a:p>
+        </p:txBody>
+      </p:sp>
+      <p:sp>
+        <p:nvSpPr>
+          <p:cNvPr id="21" name="テキスト ボックス 20"/>
+          <p:cNvSpPr txBox="1"/>
+          <p:nvPr/>
+        </p:nvSpPr>
+        <p:spPr>
+          <a:xfrm>
+            <a:off x="55768" y="6388849"/>
+            <a:ext cx="5392271" cy="338554"/>
+          </a:xfrm>
+          <a:prstGeom prst="rect">
+            <a:avLst/>
+          </a:prstGeom>
+          <a:noFill/>
+        </p:spPr>
+        <p:txBody>
+          <a:bodyPr wrap="square" rtlCol="0">
+            <a:spAutoFit/>
+          </a:bodyPr>
+          <a:lstStyle/>
+          <a:p>
+            <a:r>
+              <a:rPr lang="en-US" altLang="ja-JP" sz="1600" dirty="0" smtClean="0">
+                <a:latin typeface="HGP創英角ﾎﾟｯﾌﾟ体" panose="040B0A00000000000000" pitchFamily="50" charset="-128"/>
+                <a:ea typeface="HGP創英角ﾎﾟｯﾌﾟ体" panose="040B0A00000000000000" pitchFamily="50" charset="-128"/>
+              </a:rPr>
+              <a:t>Start Game </a:t>
+            </a:r>
+            <a:r>
+              <a:rPr kumimoji="1" lang="ja-JP" altLang="en-US" sz="1600" dirty="0" smtClean="0">
+                <a:latin typeface="HGP創英角ﾎﾟｯﾌﾟ体" panose="040B0A00000000000000" pitchFamily="50" charset="-128"/>
+                <a:ea typeface="HGP創英角ﾎﾟｯﾌﾟ体" panose="040B0A00000000000000" pitchFamily="50" charset="-128"/>
+              </a:rPr>
+              <a:t>参加</a:t>
+            </a:r>
+            <a:r>
+              <a:rPr kumimoji="1" lang="ja-JP" altLang="en-US" sz="1600" dirty="0">
+                <a:latin typeface="HGP創英角ﾎﾟｯﾌﾟ体" panose="040B0A00000000000000" pitchFamily="50" charset="-128"/>
+                <a:ea typeface="HGP創英角ﾎﾟｯﾌﾟ体" panose="040B0A00000000000000" pitchFamily="50" charset="-128"/>
+              </a:rPr>
+              <a:t>している人</a:t>
+            </a:r>
+            <a:r>
+              <a:rPr kumimoji="1" lang="ja-JP" altLang="en-US" sz="1600" dirty="0" smtClean="0">
+                <a:latin typeface="HGP創英角ﾎﾟｯﾌﾟ体" panose="040B0A00000000000000" pitchFamily="50" charset="-128"/>
+                <a:ea typeface="HGP創英角ﾎﾟｯﾌﾟ体" panose="040B0A00000000000000" pitchFamily="50" charset="-128"/>
+              </a:rPr>
+              <a:t>でゲームを始める</a:t>
+            </a:r>
+            <a:endParaRPr kumimoji="1" lang="ja-JP" altLang="en-US" sz="1600" dirty="0">
+              <a:latin typeface="HGP創英角ﾎﾟｯﾌﾟ体" panose="040B0A00000000000000" pitchFamily="50" charset="-128"/>
+              <a:ea typeface="HGP創英角ﾎﾟｯﾌﾟ体" panose="040B0A00000000000000" pitchFamily="50" charset="-128"/>
+            </a:endParaRPr>
+          </a:p>
+        </p:txBody>
+      </p:sp>
+      <p:pic>
+        <p:nvPicPr>
+          <p:cNvPr id="8" name="図 7"/>
+          <p:cNvPicPr>
+            <a:picLocks noChangeAspect="1"/>
+          </p:cNvPicPr>
+          <p:nvPr/>
+        </p:nvPicPr>
+        <p:blipFill>
+          <a:blip r:embed="rId10" cstate="print">
+            <a:extLst>
+              <a:ext uri="{28A0092B-C50C-407E-A947-70E740481C1C}">
+                <a14:useLocalDpi xmlns:a14="http://schemas.microsoft.com/office/drawing/2010/main" val="0"/>
+              </a:ext>
+            </a:extLst>
+          </a:blip>
+          <a:stretch>
+            <a:fillRect/>
+          </a:stretch>
+        </p:blipFill>
+        <p:spPr>
+          <a:xfrm>
+            <a:off x="4019873" y="1387077"/>
+            <a:ext cx="4302211" cy="2410186"/>
           </a:xfrm>
           <a:prstGeom prst="rect">
             <a:avLst/>

--- a/操作説明書.pptx
+++ b/操作説明書.pptx
@@ -243,7 +243,7 @@
           <a:p>
             <a:fld id="{844F40DE-F4CE-459F-9DAF-F51093804AEE}" type="datetimeFigureOut">
               <a:rPr kumimoji="1" lang="ja-JP" altLang="en-US" smtClean="0"/>
-              <a:t>2021/11/18</a:t>
+              <a:t>2021/11/19</a:t>
             </a:fld>
             <a:endParaRPr kumimoji="1" lang="ja-JP" altLang="en-US"/>
           </a:p>
@@ -445,7 +445,7 @@
           <a:p>
             <a:fld id="{844F40DE-F4CE-459F-9DAF-F51093804AEE}" type="datetimeFigureOut">
               <a:rPr kumimoji="1" lang="ja-JP" altLang="en-US" smtClean="0"/>
-              <a:t>2021/11/18</a:t>
+              <a:t>2021/11/19</a:t>
             </a:fld>
             <a:endParaRPr kumimoji="1" lang="ja-JP" altLang="en-US"/>
           </a:p>
@@ -657,7 +657,7 @@
           <a:p>
             <a:fld id="{844F40DE-F4CE-459F-9DAF-F51093804AEE}" type="datetimeFigureOut">
               <a:rPr kumimoji="1" lang="ja-JP" altLang="en-US" smtClean="0"/>
-              <a:t>2021/11/18</a:t>
+              <a:t>2021/11/19</a:t>
             </a:fld>
             <a:endParaRPr kumimoji="1" lang="ja-JP" altLang="en-US"/>
           </a:p>
@@ -859,7 +859,7 @@
           <a:p>
             <a:fld id="{844F40DE-F4CE-459F-9DAF-F51093804AEE}" type="datetimeFigureOut">
               <a:rPr kumimoji="1" lang="ja-JP" altLang="en-US" smtClean="0"/>
-              <a:t>2021/11/18</a:t>
+              <a:t>2021/11/19</a:t>
             </a:fld>
             <a:endParaRPr kumimoji="1" lang="ja-JP" altLang="en-US"/>
           </a:p>
@@ -1105,7 +1105,7 @@
           <a:p>
             <a:fld id="{844F40DE-F4CE-459F-9DAF-F51093804AEE}" type="datetimeFigureOut">
               <a:rPr kumimoji="1" lang="ja-JP" altLang="en-US" smtClean="0"/>
-              <a:t>2021/11/18</a:t>
+              <a:t>2021/11/19</a:t>
             </a:fld>
             <a:endParaRPr kumimoji="1" lang="ja-JP" altLang="en-US"/>
           </a:p>
@@ -1401,7 +1401,7 @@
           <a:p>
             <a:fld id="{844F40DE-F4CE-459F-9DAF-F51093804AEE}" type="datetimeFigureOut">
               <a:rPr kumimoji="1" lang="ja-JP" altLang="en-US" smtClean="0"/>
-              <a:t>2021/11/18</a:t>
+              <a:t>2021/11/19</a:t>
             </a:fld>
             <a:endParaRPr kumimoji="1" lang="ja-JP" altLang="en-US"/>
           </a:p>
@@ -1832,7 +1832,7 @@
           <a:p>
             <a:fld id="{844F40DE-F4CE-459F-9DAF-F51093804AEE}" type="datetimeFigureOut">
               <a:rPr kumimoji="1" lang="ja-JP" altLang="en-US" smtClean="0"/>
-              <a:t>2021/11/18</a:t>
+              <a:t>2021/11/19</a:t>
             </a:fld>
             <a:endParaRPr kumimoji="1" lang="ja-JP" altLang="en-US"/>
           </a:p>
@@ -1950,7 +1950,7 @@
           <a:p>
             <a:fld id="{844F40DE-F4CE-459F-9DAF-F51093804AEE}" type="datetimeFigureOut">
               <a:rPr kumimoji="1" lang="ja-JP" altLang="en-US" smtClean="0"/>
-              <a:t>2021/11/18</a:t>
+              <a:t>2021/11/19</a:t>
             </a:fld>
             <a:endParaRPr kumimoji="1" lang="ja-JP" altLang="en-US"/>
           </a:p>
@@ -2045,7 +2045,7 @@
           <a:p>
             <a:fld id="{844F40DE-F4CE-459F-9DAF-F51093804AEE}" type="datetimeFigureOut">
               <a:rPr kumimoji="1" lang="ja-JP" altLang="en-US" smtClean="0"/>
-              <a:t>2021/11/18</a:t>
+              <a:t>2021/11/19</a:t>
             </a:fld>
             <a:endParaRPr kumimoji="1" lang="ja-JP" altLang="en-US"/>
           </a:p>
@@ -2354,7 +2354,7 @@
           <a:p>
             <a:fld id="{844F40DE-F4CE-459F-9DAF-F51093804AEE}" type="datetimeFigureOut">
               <a:rPr kumimoji="1" lang="ja-JP" altLang="en-US" smtClean="0"/>
-              <a:t>2021/11/18</a:t>
+              <a:t>2021/11/19</a:t>
             </a:fld>
             <a:endParaRPr kumimoji="1" lang="ja-JP" altLang="en-US"/>
           </a:p>
@@ -2607,7 +2607,7 @@
           <a:p>
             <a:fld id="{844F40DE-F4CE-459F-9DAF-F51093804AEE}" type="datetimeFigureOut">
               <a:rPr kumimoji="1" lang="ja-JP" altLang="en-US" smtClean="0"/>
-              <a:t>2021/11/18</a:t>
+              <a:t>2021/11/19</a:t>
             </a:fld>
             <a:endParaRPr kumimoji="1" lang="ja-JP" altLang="en-US"/>
           </a:p>
@@ -2852,7 +2852,7 @@
           <a:p>
             <a:fld id="{844F40DE-F4CE-459F-9DAF-F51093804AEE}" type="datetimeFigureOut">
               <a:rPr kumimoji="1" lang="ja-JP" altLang="en-US" smtClean="0"/>
-              <a:t>2021/11/18</a:t>
+              <a:t>2021/11/19</a:t>
             </a:fld>
             <a:endParaRPr kumimoji="1" lang="ja-JP" altLang="en-US"/>
           </a:p>
@@ -3259,6 +3259,55 @@
       </p:grpSpPr>
       <p:sp>
         <p:nvSpPr>
+          <p:cNvPr id="6" name="正方形/長方形 5"/>
+          <p:cNvSpPr/>
+          <p:nvPr/>
+        </p:nvSpPr>
+        <p:spPr>
+          <a:xfrm>
+            <a:off x="-1" y="-7477"/>
+            <a:ext cx="12192001" cy="6865477"/>
+          </a:xfrm>
+          <a:prstGeom prst="rect">
+            <a:avLst/>
+          </a:prstGeom>
+          <a:solidFill>
+            <a:schemeClr val="accent1">
+              <a:lumMod val="20000"/>
+              <a:lumOff val="80000"/>
+            </a:schemeClr>
+          </a:solidFill>
+          <a:ln>
+            <a:noFill/>
+          </a:ln>
+        </p:spPr>
+        <p:style>
+          <a:lnRef idx="2">
+            <a:schemeClr val="accent1">
+              <a:shade val="50000"/>
+            </a:schemeClr>
+          </a:lnRef>
+          <a:fillRef idx="1">
+            <a:schemeClr val="accent1"/>
+          </a:fillRef>
+          <a:effectRef idx="0">
+            <a:schemeClr val="accent1"/>
+          </a:effectRef>
+          <a:fontRef idx="minor">
+            <a:schemeClr val="lt1"/>
+          </a:fontRef>
+        </p:style>
+        <p:txBody>
+          <a:bodyPr rtlCol="0" anchor="ctr"/>
+          <a:lstStyle/>
+          <a:p>
+            <a:pPr algn="ctr"/>
+            <a:endParaRPr kumimoji="1" lang="ja-JP" altLang="en-US"/>
+          </a:p>
+        </p:txBody>
+      </p:sp>
+      <p:sp>
+        <p:nvSpPr>
           <p:cNvPr id="2" name="AutoShape 2" descr="Xbox アクセサリとコントローラー | Xbox"/>
           <p:cNvSpPr>
             <a:spLocks noChangeAspect="1" noChangeArrowheads="1"/>
@@ -3326,7 +3375,7 @@
         </p:blipFill>
         <p:spPr>
           <a:xfrm>
-            <a:off x="9326761" y="2592170"/>
+            <a:off x="5083902" y="5868370"/>
             <a:ext cx="1768078" cy="993435"/>
           </a:xfrm>
           <a:prstGeom prst="rect">
@@ -3359,49 +3408,49 @@
             <a:pPr algn="ctr"/>
             <a:r>
               <a:rPr kumimoji="1" lang="en-US" altLang="ja-JP" sz="3600" dirty="0" err="1" smtClean="0">
-                <a:latin typeface="HGP創英角ﾎﾟｯﾌﾟ体" panose="040B0A00000000000000" pitchFamily="50" charset="-128"/>
-                <a:ea typeface="HGP創英角ﾎﾟｯﾌﾟ体" panose="040B0A00000000000000" pitchFamily="50" charset="-128"/>
+                <a:latin typeface="HGP創英角ｺﾞｼｯｸUB" panose="020B0900000000000000" pitchFamily="50" charset="-128"/>
+                <a:ea typeface="HGP創英角ｺﾞｼｯｸUB" panose="020B0900000000000000" pitchFamily="50" charset="-128"/>
               </a:rPr>
               <a:t>WaterGun</a:t>
             </a:r>
             <a:r>
               <a:rPr kumimoji="1" lang="en-US" altLang="ja-JP" sz="3600" dirty="0" smtClean="0">
-                <a:latin typeface="HGP創英角ﾎﾟｯﾌﾟ体" panose="040B0A00000000000000" pitchFamily="50" charset="-128"/>
-                <a:ea typeface="HGP創英角ﾎﾟｯﾌﾟ体" panose="040B0A00000000000000" pitchFamily="50" charset="-128"/>
+                <a:latin typeface="HGP創英角ｺﾞｼｯｸUB" panose="020B0900000000000000" pitchFamily="50" charset="-128"/>
+                <a:ea typeface="HGP創英角ｺﾞｼｯｸUB" panose="020B0900000000000000" pitchFamily="50" charset="-128"/>
               </a:rPr>
               <a:t>(</a:t>
             </a:r>
             <a:r>
               <a:rPr kumimoji="1" lang="ja-JP" altLang="en-US" sz="3600" dirty="0" smtClean="0">
-                <a:latin typeface="HGP創英角ﾎﾟｯﾌﾟ体" panose="040B0A00000000000000" pitchFamily="50" charset="-128"/>
-                <a:ea typeface="HGP創英角ﾎﾟｯﾌﾟ体" panose="040B0A00000000000000" pitchFamily="50" charset="-128"/>
+                <a:latin typeface="HGP創英角ｺﾞｼｯｸUB" panose="020B0900000000000000" pitchFamily="50" charset="-128"/>
+                <a:ea typeface="HGP創英角ｺﾞｼｯｸUB" panose="020B0900000000000000" pitchFamily="50" charset="-128"/>
               </a:rPr>
               <a:t>仮</a:t>
             </a:r>
             <a:r>
               <a:rPr kumimoji="1" lang="en-US" altLang="ja-JP" sz="3600" dirty="0" smtClean="0">
-                <a:latin typeface="HGP創英角ﾎﾟｯﾌﾟ体" panose="040B0A00000000000000" pitchFamily="50" charset="-128"/>
-                <a:ea typeface="HGP創英角ﾎﾟｯﾌﾟ体" panose="040B0A00000000000000" pitchFamily="50" charset="-128"/>
+                <a:latin typeface="HGP創英角ｺﾞｼｯｸUB" panose="020B0900000000000000" pitchFamily="50" charset="-128"/>
+                <a:ea typeface="HGP創英角ｺﾞｼｯｸUB" panose="020B0900000000000000" pitchFamily="50" charset="-128"/>
               </a:rPr>
               <a:t>)</a:t>
             </a:r>
             <a:r>
               <a:rPr lang="ja-JP" altLang="en-US" sz="3600" dirty="0">
-                <a:latin typeface="HGP創英角ﾎﾟｯﾌﾟ体" panose="040B0A00000000000000" pitchFamily="50" charset="-128"/>
-                <a:ea typeface="HGP創英角ﾎﾟｯﾌﾟ体" panose="040B0A00000000000000" pitchFamily="50" charset="-128"/>
+                <a:latin typeface="HGP創英角ｺﾞｼｯｸUB" panose="020B0900000000000000" pitchFamily="50" charset="-128"/>
+                <a:ea typeface="HGP創英角ｺﾞｼｯｸUB" panose="020B0900000000000000" pitchFamily="50" charset="-128"/>
               </a:rPr>
               <a:t> </a:t>
             </a:r>
             <a:r>
               <a:rPr lang="ja-JP" altLang="en-US" sz="3600" dirty="0" smtClean="0">
-                <a:latin typeface="HGP創英角ﾎﾟｯﾌﾟ体" panose="040B0A00000000000000" pitchFamily="50" charset="-128"/>
-                <a:ea typeface="HGP創英角ﾎﾟｯﾌﾟ体" panose="040B0A00000000000000" pitchFamily="50" charset="-128"/>
+                <a:latin typeface="HGP創英角ｺﾞｼｯｸUB" panose="020B0900000000000000" pitchFamily="50" charset="-128"/>
+                <a:ea typeface="HGP創英角ｺﾞｼｯｸUB" panose="020B0900000000000000" pitchFamily="50" charset="-128"/>
               </a:rPr>
               <a:t>説明書</a:t>
             </a:r>
             <a:endParaRPr kumimoji="1" lang="ja-JP" altLang="en-US" sz="3600" dirty="0">
-              <a:latin typeface="HGP創英角ﾎﾟｯﾌﾟ体" panose="040B0A00000000000000" pitchFamily="50" charset="-128"/>
-              <a:ea typeface="HGP創英角ﾎﾟｯﾌﾟ体" panose="040B0A00000000000000" pitchFamily="50" charset="-128"/>
+              <a:latin typeface="HGP創英角ｺﾞｼｯｸUB" panose="020B0900000000000000" pitchFamily="50" charset="-128"/>
+              <a:ea typeface="HGP創英角ｺﾞｼｯｸUB" panose="020B0900000000000000" pitchFamily="50" charset="-128"/>
             </a:endParaRPr>
           </a:p>
         </p:txBody>
@@ -3414,7 +3463,7 @@
         </p:nvSpPr>
         <p:spPr>
           <a:xfrm>
-            <a:off x="8758032" y="800032"/>
+            <a:off x="4515173" y="4076232"/>
             <a:ext cx="3314700" cy="1631216"/>
           </a:xfrm>
           <a:prstGeom prst="rect">
@@ -3431,87 +3480,157 @@
             <a:pPr algn="ctr"/>
             <a:r>
               <a:rPr lang="ja-JP" altLang="en-US" sz="2000" dirty="0" smtClean="0">
-                <a:latin typeface="HGP創英角ﾎﾟｯﾌﾟ体" panose="040B0A00000000000000" pitchFamily="50" charset="-128"/>
-                <a:ea typeface="HGP創英角ﾎﾟｯﾌﾟ体" panose="040B0A00000000000000" pitchFamily="50" charset="-128"/>
+                <a:latin typeface="HGP創英角ｺﾞｼｯｸUB" panose="020B0900000000000000" pitchFamily="50" charset="-128"/>
+                <a:ea typeface="HGP創英角ｺﾞｼｯｸUB" panose="020B0900000000000000" pitchFamily="50" charset="-128"/>
               </a:rPr>
               <a:t>コントローラー</a:t>
             </a:r>
             <a:endParaRPr lang="en-US" altLang="ja-JP" sz="2000" dirty="0" smtClean="0">
-              <a:latin typeface="HGP創英角ﾎﾟｯﾌﾟ体" panose="040B0A00000000000000" pitchFamily="50" charset="-128"/>
-              <a:ea typeface="HGP創英角ﾎﾟｯﾌﾟ体" panose="040B0A00000000000000" pitchFamily="50" charset="-128"/>
+              <a:latin typeface="HGP創英角ｺﾞｼｯｸUB" panose="020B0900000000000000" pitchFamily="50" charset="-128"/>
+              <a:ea typeface="HGP創英角ｺﾞｼｯｸUB" panose="020B0900000000000000" pitchFamily="50" charset="-128"/>
             </a:endParaRPr>
           </a:p>
           <a:p>
             <a:r>
               <a:rPr lang="ja-JP" altLang="en-US" sz="2000" dirty="0" smtClean="0">
-                <a:latin typeface="HGP創英角ﾎﾟｯﾌﾟ体" panose="040B0A00000000000000" pitchFamily="50" charset="-128"/>
-                <a:ea typeface="HGP創英角ﾎﾟｯﾌﾟ体" panose="040B0A00000000000000" pitchFamily="50" charset="-128"/>
-              </a:rPr>
-              <a:t>左スティック　　　移動</a:t>
+                <a:latin typeface="HGP創英角ｺﾞｼｯｸUB" panose="020B0900000000000000" pitchFamily="50" charset="-128"/>
+                <a:ea typeface="HGP創英角ｺﾞｼｯｸUB" panose="020B0900000000000000" pitchFamily="50" charset="-128"/>
+              </a:rPr>
+              <a:t>左スティック</a:t>
+            </a:r>
+            <a:r>
+              <a:rPr lang="en-US" altLang="ja-JP" sz="2000" dirty="0">
+                <a:latin typeface="HGP創英角ｺﾞｼｯｸUB" panose="020B0900000000000000" pitchFamily="50" charset="-128"/>
+                <a:ea typeface="HGP創英角ｺﾞｼｯｸUB" panose="020B0900000000000000" pitchFamily="50" charset="-128"/>
+              </a:rPr>
+              <a:t>	</a:t>
+            </a:r>
+            <a:r>
+              <a:rPr lang="ja-JP" altLang="en-US" sz="2000" dirty="0" smtClean="0">
+                <a:latin typeface="HGP創英角ｺﾞｼｯｸUB" panose="020B0900000000000000" pitchFamily="50" charset="-128"/>
+                <a:ea typeface="HGP創英角ｺﾞｼｯｸUB" panose="020B0900000000000000" pitchFamily="50" charset="-128"/>
+              </a:rPr>
+              <a:t>移動</a:t>
             </a:r>
             <a:endParaRPr lang="en-US" altLang="ja-JP" sz="2000" dirty="0" smtClean="0">
-              <a:latin typeface="HGP創英角ﾎﾟｯﾌﾟ体" panose="040B0A00000000000000" pitchFamily="50" charset="-128"/>
-              <a:ea typeface="HGP創英角ﾎﾟｯﾌﾟ体" panose="040B0A00000000000000" pitchFamily="50" charset="-128"/>
+              <a:latin typeface="HGP創英角ｺﾞｼｯｸUB" panose="020B0900000000000000" pitchFamily="50" charset="-128"/>
+              <a:ea typeface="HGP創英角ｺﾞｼｯｸUB" panose="020B0900000000000000" pitchFamily="50" charset="-128"/>
             </a:endParaRPr>
           </a:p>
           <a:p>
             <a:r>
               <a:rPr lang="ja-JP" altLang="en-US" sz="2000" dirty="0">
-                <a:latin typeface="HGP創英角ﾎﾟｯﾌﾟ体" panose="040B0A00000000000000" pitchFamily="50" charset="-128"/>
-                <a:ea typeface="HGP創英角ﾎﾟｯﾌﾟ体" panose="040B0A00000000000000" pitchFamily="50" charset="-128"/>
+                <a:latin typeface="HGP創英角ｺﾞｼｯｸUB" panose="020B0900000000000000" pitchFamily="50" charset="-128"/>
+                <a:ea typeface="HGP創英角ｺﾞｼｯｸUB" panose="020B0900000000000000" pitchFamily="50" charset="-128"/>
               </a:rPr>
               <a:t>右</a:t>
             </a:r>
             <a:r>
               <a:rPr lang="ja-JP" altLang="en-US" sz="2000" dirty="0" smtClean="0">
-                <a:latin typeface="HGP創英角ﾎﾟｯﾌﾟ体" panose="040B0A00000000000000" pitchFamily="50" charset="-128"/>
-                <a:ea typeface="HGP創英角ﾎﾟｯﾌﾟ体" panose="040B0A00000000000000" pitchFamily="50" charset="-128"/>
-              </a:rPr>
-              <a:t>スティック　　　カメラ移動</a:t>
+                <a:latin typeface="HGP創英角ｺﾞｼｯｸUB" panose="020B0900000000000000" pitchFamily="50" charset="-128"/>
+                <a:ea typeface="HGP創英角ｺﾞｼｯｸUB" panose="020B0900000000000000" pitchFamily="50" charset="-128"/>
+              </a:rPr>
+              <a:t>スティック</a:t>
+            </a:r>
+            <a:r>
+              <a:rPr lang="en-US" altLang="ja-JP" sz="2000" dirty="0">
+                <a:latin typeface="HGP創英角ｺﾞｼｯｸUB" panose="020B0900000000000000" pitchFamily="50" charset="-128"/>
+                <a:ea typeface="HGP創英角ｺﾞｼｯｸUB" panose="020B0900000000000000" pitchFamily="50" charset="-128"/>
+              </a:rPr>
+              <a:t>	</a:t>
+            </a:r>
+            <a:r>
+              <a:rPr lang="ja-JP" altLang="en-US" sz="2000" dirty="0" smtClean="0">
+                <a:latin typeface="HGP創英角ｺﾞｼｯｸUB" panose="020B0900000000000000" pitchFamily="50" charset="-128"/>
+                <a:ea typeface="HGP創英角ｺﾞｼｯｸUB" panose="020B0900000000000000" pitchFamily="50" charset="-128"/>
+              </a:rPr>
+              <a:t>カメラ移動</a:t>
             </a:r>
             <a:endParaRPr lang="en-US" altLang="ja-JP" sz="2000" dirty="0" smtClean="0">
-              <a:latin typeface="HGP創英角ﾎﾟｯﾌﾟ体" panose="040B0A00000000000000" pitchFamily="50" charset="-128"/>
-              <a:ea typeface="HGP創英角ﾎﾟｯﾌﾟ体" panose="040B0A00000000000000" pitchFamily="50" charset="-128"/>
+              <a:latin typeface="HGP創英角ｺﾞｼｯｸUB" panose="020B0900000000000000" pitchFamily="50" charset="-128"/>
+              <a:ea typeface="HGP創英角ｺﾞｼｯｸUB" panose="020B0900000000000000" pitchFamily="50" charset="-128"/>
             </a:endParaRPr>
           </a:p>
           <a:p>
             <a:r>
               <a:rPr lang="en-US" altLang="ja-JP" sz="2000" dirty="0" smtClean="0">
-                <a:latin typeface="HGP創英角ﾎﾟｯﾌﾟ体" panose="040B0A00000000000000" pitchFamily="50" charset="-128"/>
-                <a:ea typeface="HGP創英角ﾎﾟｯﾌﾟ体" panose="040B0A00000000000000" pitchFamily="50" charset="-128"/>
-              </a:rPr>
-              <a:t>A</a:t>
+                <a:latin typeface="HGP創英角ｺﾞｼｯｸUB" panose="020B0900000000000000" pitchFamily="50" charset="-128"/>
+                <a:ea typeface="HGP創英角ｺﾞｼｯｸUB" panose="020B0900000000000000" pitchFamily="50" charset="-128"/>
+              </a:rPr>
+              <a:t>A </a:t>
             </a:r>
             <a:r>
               <a:rPr lang="ja-JP" altLang="en-US" sz="2000" dirty="0" smtClean="0">
-                <a:latin typeface="HGP創英角ﾎﾟｯﾌﾟ体" panose="040B0A00000000000000" pitchFamily="50" charset="-128"/>
-                <a:ea typeface="HGP創英角ﾎﾟｯﾌﾟ体" panose="040B0A00000000000000" pitchFamily="50" charset="-128"/>
-              </a:rPr>
-              <a:t>ボタン　　　　　ジャンプ</a:t>
+                <a:latin typeface="HGP創英角ｺﾞｼｯｸUB" panose="020B0900000000000000" pitchFamily="50" charset="-128"/>
+                <a:ea typeface="HGP創英角ｺﾞｼｯｸUB" panose="020B0900000000000000" pitchFamily="50" charset="-128"/>
+              </a:rPr>
+              <a:t>ボタン</a:t>
+            </a:r>
+            <a:r>
+              <a:rPr lang="en-US" altLang="ja-JP" sz="2000" dirty="0">
+                <a:latin typeface="HGP創英角ｺﾞｼｯｸUB" panose="020B0900000000000000" pitchFamily="50" charset="-128"/>
+                <a:ea typeface="HGP創英角ｺﾞｼｯｸUB" panose="020B0900000000000000" pitchFamily="50" charset="-128"/>
+              </a:rPr>
+              <a:t>	</a:t>
+            </a:r>
+            <a:r>
+              <a:rPr lang="en-US" altLang="ja-JP" sz="2000" dirty="0" smtClean="0">
+                <a:latin typeface="HGP創英角ｺﾞｼｯｸUB" panose="020B0900000000000000" pitchFamily="50" charset="-128"/>
+                <a:ea typeface="HGP創英角ｺﾞｼｯｸUB" panose="020B0900000000000000" pitchFamily="50" charset="-128"/>
+              </a:rPr>
+              <a:t>	</a:t>
+            </a:r>
+            <a:r>
+              <a:rPr lang="ja-JP" altLang="en-US" sz="2000" dirty="0" smtClean="0">
+                <a:latin typeface="HGP創英角ｺﾞｼｯｸUB" panose="020B0900000000000000" pitchFamily="50" charset="-128"/>
+                <a:ea typeface="HGP創英角ｺﾞｼｯｸUB" panose="020B0900000000000000" pitchFamily="50" charset="-128"/>
+              </a:rPr>
+              <a:t>ジャンプ</a:t>
             </a:r>
             <a:endParaRPr lang="en-US" altLang="ja-JP" sz="2000" dirty="0" smtClean="0">
-              <a:latin typeface="HGP創英角ﾎﾟｯﾌﾟ体" panose="040B0A00000000000000" pitchFamily="50" charset="-128"/>
-              <a:ea typeface="HGP創英角ﾎﾟｯﾌﾟ体" panose="040B0A00000000000000" pitchFamily="50" charset="-128"/>
+              <a:latin typeface="HGP創英角ｺﾞｼｯｸUB" panose="020B0900000000000000" pitchFamily="50" charset="-128"/>
+              <a:ea typeface="HGP創英角ｺﾞｼｯｸUB" panose="020B0900000000000000" pitchFamily="50" charset="-128"/>
             </a:endParaRPr>
           </a:p>
           <a:p>
             <a:r>
               <a:rPr lang="en-US" altLang="ja-JP" sz="2000" dirty="0" smtClean="0">
-                <a:latin typeface="HGP創英角ﾎﾟｯﾌﾟ体" panose="040B0A00000000000000" pitchFamily="50" charset="-128"/>
-                <a:ea typeface="HGP創英角ﾎﾟｯﾌﾟ体" panose="040B0A00000000000000" pitchFamily="50" charset="-128"/>
-              </a:rPr>
-              <a:t>R</a:t>
+                <a:latin typeface="HGP創英角ｺﾞｼｯｸUB" panose="020B0900000000000000" pitchFamily="50" charset="-128"/>
+                <a:ea typeface="HGP創英角ｺﾞｼｯｸUB" panose="020B0900000000000000" pitchFamily="50" charset="-128"/>
+              </a:rPr>
+              <a:t>R </a:t>
             </a:r>
             <a:r>
               <a:rPr lang="ja-JP" altLang="en-US" sz="2000" dirty="0" smtClean="0">
-                <a:latin typeface="HGP創英角ﾎﾟｯﾌﾟ体" panose="040B0A00000000000000" pitchFamily="50" charset="-128"/>
-                <a:ea typeface="HGP創英角ﾎﾟｯﾌﾟ体" panose="040B0A00000000000000" pitchFamily="50" charset="-128"/>
-              </a:rPr>
-              <a:t>ボタン　　　　　水を発射</a:t>
+                <a:latin typeface="HGP創英角ｺﾞｼｯｸUB" panose="020B0900000000000000" pitchFamily="50" charset="-128"/>
+                <a:ea typeface="HGP創英角ｺﾞｼｯｸUB" panose="020B0900000000000000" pitchFamily="50" charset="-128"/>
+              </a:rPr>
+              <a:t>ボタン</a:t>
+            </a:r>
+            <a:r>
+              <a:rPr lang="en-US" altLang="ja-JP" sz="2000" dirty="0">
+                <a:latin typeface="HGP創英角ｺﾞｼｯｸUB" panose="020B0900000000000000" pitchFamily="50" charset="-128"/>
+                <a:ea typeface="HGP創英角ｺﾞｼｯｸUB" panose="020B0900000000000000" pitchFamily="50" charset="-128"/>
+              </a:rPr>
+              <a:t>	</a:t>
+            </a:r>
+            <a:r>
+              <a:rPr lang="en-US" altLang="ja-JP" sz="2000" dirty="0" smtClean="0">
+                <a:latin typeface="HGP創英角ｺﾞｼｯｸUB" panose="020B0900000000000000" pitchFamily="50" charset="-128"/>
+                <a:ea typeface="HGP創英角ｺﾞｼｯｸUB" panose="020B0900000000000000" pitchFamily="50" charset="-128"/>
+              </a:rPr>
+              <a:t>	</a:t>
+            </a:r>
+            <a:r>
+              <a:rPr lang="ja-JP" altLang="en-US" sz="2000" dirty="0" smtClean="0">
+                <a:latin typeface="HGP創英角ｺﾞｼｯｸUB" panose="020B0900000000000000" pitchFamily="50" charset="-128"/>
+                <a:ea typeface="HGP創英角ｺﾞｼｯｸUB" panose="020B0900000000000000" pitchFamily="50" charset="-128"/>
+              </a:rPr>
+              <a:t>水を発射</a:t>
             </a:r>
             <a:endParaRPr kumimoji="1" lang="ja-JP" altLang="en-US" sz="2000" dirty="0">
-              <a:latin typeface="HGP創英角ﾎﾟｯﾌﾟ体" panose="040B0A00000000000000" pitchFamily="50" charset="-128"/>
-              <a:ea typeface="HGP創英角ﾎﾟｯﾌﾟ体" panose="040B0A00000000000000" pitchFamily="50" charset="-128"/>
+              <a:latin typeface="HGP創英角ｺﾞｼｯｸUB" panose="020B0900000000000000" pitchFamily="50" charset="-128"/>
+              <a:ea typeface="HGP創英角ｺﾞｼｯｸUB" panose="020B0900000000000000" pitchFamily="50" charset="-128"/>
             </a:endParaRPr>
           </a:p>
         </p:txBody>
@@ -3532,7 +3651,7 @@
         </p:blipFill>
         <p:spPr>
           <a:xfrm>
-            <a:off x="8753269" y="5715876"/>
+            <a:off x="8090600" y="5836789"/>
             <a:ext cx="2251670" cy="889315"/>
           </a:xfrm>
           <a:prstGeom prst="rect">
@@ -3568,7 +3687,7 @@
         </p:blipFill>
         <p:spPr>
           <a:xfrm>
-            <a:off x="11133345" y="5715876"/>
+            <a:off x="10470676" y="5836789"/>
             <a:ext cx="929862" cy="873750"/>
           </a:xfrm>
           <a:prstGeom prst="rect">
@@ -3584,7 +3703,7 @@
         </p:nvSpPr>
         <p:spPr>
           <a:xfrm>
-            <a:off x="8758032" y="3667015"/>
+            <a:off x="8090600" y="4076232"/>
             <a:ext cx="3305175" cy="1631216"/>
           </a:xfrm>
           <a:prstGeom prst="rect">
@@ -3601,129 +3720,213 @@
             <a:pPr algn="ctr"/>
             <a:r>
               <a:rPr lang="ja-JP" altLang="en-US" sz="2000" dirty="0" smtClean="0">
-                <a:latin typeface="HGP創英角ﾎﾟｯﾌﾟ体" panose="040B0A00000000000000" pitchFamily="50" charset="-128"/>
-                <a:ea typeface="HGP創英角ﾎﾟｯﾌﾟ体" panose="040B0A00000000000000" pitchFamily="50" charset="-128"/>
+                <a:latin typeface="HGP創英角ｺﾞｼｯｸUB" panose="020B0900000000000000" pitchFamily="50" charset="-128"/>
+                <a:ea typeface="HGP創英角ｺﾞｼｯｸUB" panose="020B0900000000000000" pitchFamily="50" charset="-128"/>
               </a:rPr>
               <a:t>キーボード・マウス</a:t>
             </a:r>
             <a:endParaRPr lang="en-US" altLang="ja-JP" sz="2000" dirty="0" smtClean="0">
-              <a:latin typeface="HGP創英角ﾎﾟｯﾌﾟ体" panose="040B0A00000000000000" pitchFamily="50" charset="-128"/>
-              <a:ea typeface="HGP創英角ﾎﾟｯﾌﾟ体" panose="040B0A00000000000000" pitchFamily="50" charset="-128"/>
+              <a:latin typeface="HGP創英角ｺﾞｼｯｸUB" panose="020B0900000000000000" pitchFamily="50" charset="-128"/>
+              <a:ea typeface="HGP創英角ｺﾞｼｯｸUB" panose="020B0900000000000000" pitchFamily="50" charset="-128"/>
             </a:endParaRPr>
           </a:p>
           <a:p>
             <a:r>
               <a:rPr lang="en-US" altLang="ja-JP" sz="2000" dirty="0" smtClean="0">
-                <a:latin typeface="HGP創英角ﾎﾟｯﾌﾟ体" panose="040B0A00000000000000" pitchFamily="50" charset="-128"/>
-                <a:ea typeface="HGP創英角ﾎﾟｯﾌﾟ体" panose="040B0A00000000000000" pitchFamily="50" charset="-128"/>
+                <a:latin typeface="HGP創英角ｺﾞｼｯｸUB" panose="020B0900000000000000" pitchFamily="50" charset="-128"/>
+                <a:ea typeface="HGP創英角ｺﾞｼｯｸUB" panose="020B0900000000000000" pitchFamily="50" charset="-128"/>
               </a:rPr>
               <a:t>W</a:t>
             </a:r>
             <a:r>
               <a:rPr lang="ja-JP" altLang="en-US" sz="2000" dirty="0" smtClean="0">
-                <a:latin typeface="HGP創英角ﾎﾟｯﾌﾟ体" panose="040B0A00000000000000" pitchFamily="50" charset="-128"/>
-                <a:ea typeface="HGP創英角ﾎﾟｯﾌﾟ体" panose="040B0A00000000000000" pitchFamily="50" charset="-128"/>
+                <a:latin typeface="HGP創英角ｺﾞｼｯｸUB" panose="020B0900000000000000" pitchFamily="50" charset="-128"/>
+                <a:ea typeface="HGP創英角ｺﾞｼｯｸUB" panose="020B0900000000000000" pitchFamily="50" charset="-128"/>
               </a:rPr>
               <a:t>・</a:t>
             </a:r>
             <a:r>
               <a:rPr lang="en-US" altLang="ja-JP" sz="2000" dirty="0" smtClean="0">
-                <a:latin typeface="HGP創英角ﾎﾟｯﾌﾟ体" panose="040B0A00000000000000" pitchFamily="50" charset="-128"/>
-                <a:ea typeface="HGP創英角ﾎﾟｯﾌﾟ体" panose="040B0A00000000000000" pitchFamily="50" charset="-128"/>
+                <a:latin typeface="HGP創英角ｺﾞｼｯｸUB" panose="020B0900000000000000" pitchFamily="50" charset="-128"/>
+                <a:ea typeface="HGP創英角ｺﾞｼｯｸUB" panose="020B0900000000000000" pitchFamily="50" charset="-128"/>
               </a:rPr>
               <a:t>A</a:t>
             </a:r>
             <a:r>
               <a:rPr lang="ja-JP" altLang="en-US" sz="2000" dirty="0" smtClean="0">
-                <a:latin typeface="HGP創英角ﾎﾟｯﾌﾟ体" panose="040B0A00000000000000" pitchFamily="50" charset="-128"/>
-                <a:ea typeface="HGP創英角ﾎﾟｯﾌﾟ体" panose="040B0A00000000000000" pitchFamily="50" charset="-128"/>
+                <a:latin typeface="HGP創英角ｺﾞｼｯｸUB" panose="020B0900000000000000" pitchFamily="50" charset="-128"/>
+                <a:ea typeface="HGP創英角ｺﾞｼｯｸUB" panose="020B0900000000000000" pitchFamily="50" charset="-128"/>
               </a:rPr>
               <a:t>・</a:t>
             </a:r>
             <a:r>
               <a:rPr lang="en-US" altLang="ja-JP" sz="2000" dirty="0" smtClean="0">
-                <a:latin typeface="HGP創英角ﾎﾟｯﾌﾟ体" panose="040B0A00000000000000" pitchFamily="50" charset="-128"/>
-                <a:ea typeface="HGP創英角ﾎﾟｯﾌﾟ体" panose="040B0A00000000000000" pitchFamily="50" charset="-128"/>
+                <a:latin typeface="HGP創英角ｺﾞｼｯｸUB" panose="020B0900000000000000" pitchFamily="50" charset="-128"/>
+                <a:ea typeface="HGP創英角ｺﾞｼｯｸUB" panose="020B0900000000000000" pitchFamily="50" charset="-128"/>
               </a:rPr>
               <a:t>S</a:t>
             </a:r>
             <a:r>
               <a:rPr lang="ja-JP" altLang="en-US" sz="2000" dirty="0" smtClean="0">
-                <a:latin typeface="HGP創英角ﾎﾟｯﾌﾟ体" panose="040B0A00000000000000" pitchFamily="50" charset="-128"/>
-                <a:ea typeface="HGP創英角ﾎﾟｯﾌﾟ体" panose="040B0A00000000000000" pitchFamily="50" charset="-128"/>
+                <a:latin typeface="HGP創英角ｺﾞｼｯｸUB" panose="020B0900000000000000" pitchFamily="50" charset="-128"/>
+                <a:ea typeface="HGP創英角ｺﾞｼｯｸUB" panose="020B0900000000000000" pitchFamily="50" charset="-128"/>
               </a:rPr>
               <a:t>・</a:t>
             </a:r>
             <a:r>
               <a:rPr lang="en-US" altLang="ja-JP" sz="2000" dirty="0" smtClean="0">
-                <a:latin typeface="HGP創英角ﾎﾟｯﾌﾟ体" panose="040B0A00000000000000" pitchFamily="50" charset="-128"/>
-                <a:ea typeface="HGP創英角ﾎﾟｯﾌﾟ体" panose="040B0A00000000000000" pitchFamily="50" charset="-128"/>
+                <a:latin typeface="HGP創英角ｺﾞｼｯｸUB" panose="020B0900000000000000" pitchFamily="50" charset="-128"/>
+                <a:ea typeface="HGP創英角ｺﾞｼｯｸUB" panose="020B0900000000000000" pitchFamily="50" charset="-128"/>
               </a:rPr>
               <a:t>D</a:t>
             </a:r>
             <a:r>
               <a:rPr lang="ja-JP" altLang="en-US" sz="2000" dirty="0" smtClean="0">
-                <a:latin typeface="HGP創英角ﾎﾟｯﾌﾟ体" panose="040B0A00000000000000" pitchFamily="50" charset="-128"/>
-                <a:ea typeface="HGP創英角ﾎﾟｯﾌﾟ体" panose="040B0A00000000000000" pitchFamily="50" charset="-128"/>
-              </a:rPr>
-              <a:t>キー　移動</a:t>
+                <a:latin typeface="HGP創英角ｺﾞｼｯｸUB" panose="020B0900000000000000" pitchFamily="50" charset="-128"/>
+                <a:ea typeface="HGP創英角ｺﾞｼｯｸUB" panose="020B0900000000000000" pitchFamily="50" charset="-128"/>
+              </a:rPr>
+              <a:t>キー</a:t>
+            </a:r>
+            <a:r>
+              <a:rPr lang="en-US" altLang="ja-JP" sz="2000" dirty="0" smtClean="0">
+                <a:latin typeface="HGP創英角ｺﾞｼｯｸUB" panose="020B0900000000000000" pitchFamily="50" charset="-128"/>
+                <a:ea typeface="HGP創英角ｺﾞｼｯｸUB" panose="020B0900000000000000" pitchFamily="50" charset="-128"/>
+              </a:rPr>
+              <a:t>	</a:t>
+            </a:r>
+            <a:r>
+              <a:rPr lang="ja-JP" altLang="en-US" sz="2000" dirty="0" smtClean="0">
+                <a:latin typeface="HGP創英角ｺﾞｼｯｸUB" panose="020B0900000000000000" pitchFamily="50" charset="-128"/>
+                <a:ea typeface="HGP創英角ｺﾞｼｯｸUB" panose="020B0900000000000000" pitchFamily="50" charset="-128"/>
+              </a:rPr>
+              <a:t>移動</a:t>
             </a:r>
             <a:endParaRPr lang="en-US" altLang="ja-JP" sz="2000" dirty="0" smtClean="0">
-              <a:latin typeface="HGP創英角ﾎﾟｯﾌﾟ体" panose="040B0A00000000000000" pitchFamily="50" charset="-128"/>
-              <a:ea typeface="HGP創英角ﾎﾟｯﾌﾟ体" panose="040B0A00000000000000" pitchFamily="50" charset="-128"/>
+              <a:latin typeface="HGP創英角ｺﾞｼｯｸUB" panose="020B0900000000000000" pitchFamily="50" charset="-128"/>
+              <a:ea typeface="HGP創英角ｺﾞｼｯｸUB" panose="020B0900000000000000" pitchFamily="50" charset="-128"/>
             </a:endParaRPr>
           </a:p>
           <a:p>
             <a:r>
               <a:rPr kumimoji="1" lang="ja-JP" altLang="en-US" sz="2000" dirty="0" smtClean="0">
-                <a:latin typeface="HGP創英角ﾎﾟｯﾌﾟ体" panose="040B0A00000000000000" pitchFamily="50" charset="-128"/>
-                <a:ea typeface="HGP創英角ﾎﾟｯﾌﾟ体" panose="040B0A00000000000000" pitchFamily="50" charset="-128"/>
-              </a:rPr>
-              <a:t>マウス　　　　　　カメラ移動</a:t>
+                <a:latin typeface="HGP創英角ｺﾞｼｯｸUB" panose="020B0900000000000000" pitchFamily="50" charset="-128"/>
+                <a:ea typeface="HGP創英角ｺﾞｼｯｸUB" panose="020B0900000000000000" pitchFamily="50" charset="-128"/>
+              </a:rPr>
+              <a:t>マウス</a:t>
+            </a:r>
+            <a:r>
+              <a:rPr lang="ja-JP" altLang="en-US" sz="2000" dirty="0">
+                <a:latin typeface="HGP創英角ｺﾞｼｯｸUB" panose="020B0900000000000000" pitchFamily="50" charset="-128"/>
+                <a:ea typeface="HGP創英角ｺﾞｼｯｸUB" panose="020B0900000000000000" pitchFamily="50" charset="-128"/>
+              </a:rPr>
+              <a:t> </a:t>
+            </a:r>
+            <a:r>
+              <a:rPr lang="ja-JP" altLang="en-US" sz="2000" dirty="0" smtClean="0">
+                <a:latin typeface="HGP創英角ｺﾞｼｯｸUB" panose="020B0900000000000000" pitchFamily="50" charset="-128"/>
+                <a:ea typeface="HGP創英角ｺﾞｼｯｸUB" panose="020B0900000000000000" pitchFamily="50" charset="-128"/>
+              </a:rPr>
+              <a:t>          </a:t>
+            </a:r>
+            <a:r>
+              <a:rPr lang="en-US" altLang="ja-JP" sz="2000" dirty="0" smtClean="0">
+                <a:latin typeface="HGP創英角ｺﾞｼｯｸUB" panose="020B0900000000000000" pitchFamily="50" charset="-128"/>
+                <a:ea typeface="HGP創英角ｺﾞｼｯｸUB" panose="020B0900000000000000" pitchFamily="50" charset="-128"/>
+              </a:rPr>
+              <a:t>	</a:t>
+            </a:r>
+            <a:r>
+              <a:rPr kumimoji="1" lang="ja-JP" altLang="en-US" sz="2000" dirty="0" smtClean="0">
+                <a:latin typeface="HGP創英角ｺﾞｼｯｸUB" panose="020B0900000000000000" pitchFamily="50" charset="-128"/>
+                <a:ea typeface="HGP創英角ｺﾞｼｯｸUB" panose="020B0900000000000000" pitchFamily="50" charset="-128"/>
+              </a:rPr>
+              <a:t>カメラ移動</a:t>
             </a:r>
             <a:endParaRPr lang="en-US" altLang="ja-JP" sz="2000" dirty="0" smtClean="0">
-              <a:latin typeface="HGP創英角ﾎﾟｯﾌﾟ体" panose="040B0A00000000000000" pitchFamily="50" charset="-128"/>
-              <a:ea typeface="HGP創英角ﾎﾟｯﾌﾟ体" panose="040B0A00000000000000" pitchFamily="50" charset="-128"/>
+              <a:latin typeface="HGP創英角ｺﾞｼｯｸUB" panose="020B0900000000000000" pitchFamily="50" charset="-128"/>
+              <a:ea typeface="HGP創英角ｺﾞｼｯｸUB" panose="020B0900000000000000" pitchFamily="50" charset="-128"/>
             </a:endParaRPr>
           </a:p>
           <a:p>
             <a:r>
               <a:rPr lang="ja-JP" altLang="en-US" sz="2000" dirty="0" smtClean="0">
-                <a:latin typeface="HGP創英角ﾎﾟｯﾌﾟ体" panose="040B0A00000000000000" pitchFamily="50" charset="-128"/>
-                <a:ea typeface="HGP創英角ﾎﾟｯﾌﾟ体" panose="040B0A00000000000000" pitchFamily="50" charset="-128"/>
-              </a:rPr>
-              <a:t>左クリック　　　　水を発射</a:t>
+                <a:latin typeface="HGP創英角ｺﾞｼｯｸUB" panose="020B0900000000000000" pitchFamily="50" charset="-128"/>
+                <a:ea typeface="HGP創英角ｺﾞｼｯｸUB" panose="020B0900000000000000" pitchFamily="50" charset="-128"/>
+              </a:rPr>
+              <a:t>左クリック</a:t>
+            </a:r>
+            <a:r>
+              <a:rPr lang="ja-JP" altLang="en-US" sz="2000" dirty="0">
+                <a:latin typeface="HGP創英角ｺﾞｼｯｸUB" panose="020B0900000000000000" pitchFamily="50" charset="-128"/>
+                <a:ea typeface="HGP創英角ｺﾞｼｯｸUB" panose="020B0900000000000000" pitchFamily="50" charset="-128"/>
+              </a:rPr>
+              <a:t> </a:t>
+            </a:r>
+            <a:r>
+              <a:rPr lang="ja-JP" altLang="en-US" sz="2000" dirty="0" smtClean="0">
+                <a:latin typeface="HGP創英角ｺﾞｼｯｸUB" panose="020B0900000000000000" pitchFamily="50" charset="-128"/>
+                <a:ea typeface="HGP創英角ｺﾞｼｯｸUB" panose="020B0900000000000000" pitchFamily="50" charset="-128"/>
+              </a:rPr>
+              <a:t>    </a:t>
+            </a:r>
+            <a:r>
+              <a:rPr lang="en-US" altLang="ja-JP" sz="2000" dirty="0" smtClean="0">
+                <a:latin typeface="HGP創英角ｺﾞｼｯｸUB" panose="020B0900000000000000" pitchFamily="50" charset="-128"/>
+                <a:ea typeface="HGP創英角ｺﾞｼｯｸUB" panose="020B0900000000000000" pitchFamily="50" charset="-128"/>
+              </a:rPr>
+              <a:t>	</a:t>
+            </a:r>
+            <a:r>
+              <a:rPr lang="ja-JP" altLang="en-US" sz="2000" dirty="0" smtClean="0">
+                <a:latin typeface="HGP創英角ｺﾞｼｯｸUB" panose="020B0900000000000000" pitchFamily="50" charset="-128"/>
+                <a:ea typeface="HGP創英角ｺﾞｼｯｸUB" panose="020B0900000000000000" pitchFamily="50" charset="-128"/>
+              </a:rPr>
+              <a:t>水を発射</a:t>
             </a:r>
             <a:endParaRPr lang="en-US" altLang="ja-JP" sz="2000" dirty="0" smtClean="0">
-              <a:latin typeface="HGP創英角ﾎﾟｯﾌﾟ体" panose="040B0A00000000000000" pitchFamily="50" charset="-128"/>
-              <a:ea typeface="HGP創英角ﾎﾟｯﾌﾟ体" panose="040B0A00000000000000" pitchFamily="50" charset="-128"/>
+              <a:latin typeface="HGP創英角ｺﾞｼｯｸUB" panose="020B0900000000000000" pitchFamily="50" charset="-128"/>
+              <a:ea typeface="HGP創英角ｺﾞｼｯｸUB" panose="020B0900000000000000" pitchFamily="50" charset="-128"/>
             </a:endParaRPr>
           </a:p>
           <a:p>
             <a:r>
               <a:rPr kumimoji="1" lang="en-US" altLang="ja-JP" sz="2000" dirty="0" smtClean="0">
-                <a:latin typeface="HGP創英角ﾎﾟｯﾌﾟ体" panose="040B0A00000000000000" pitchFamily="50" charset="-128"/>
-                <a:ea typeface="HGP創英角ﾎﾟｯﾌﾟ体" panose="040B0A00000000000000" pitchFamily="50" charset="-128"/>
+                <a:latin typeface="HGP創英角ｺﾞｼｯｸUB" panose="020B0900000000000000" pitchFamily="50" charset="-128"/>
+                <a:ea typeface="HGP創英角ｺﾞｼｯｸUB" panose="020B0900000000000000" pitchFamily="50" charset="-128"/>
               </a:rPr>
               <a:t>SPACE</a:t>
             </a:r>
             <a:r>
               <a:rPr kumimoji="1" lang="ja-JP" altLang="en-US" sz="2000" dirty="0" smtClean="0">
-                <a:latin typeface="HGP創英角ﾎﾟｯﾌﾟ体" panose="040B0A00000000000000" pitchFamily="50" charset="-128"/>
-                <a:ea typeface="HGP創英角ﾎﾟｯﾌﾟ体" panose="040B0A00000000000000" pitchFamily="50" charset="-128"/>
-              </a:rPr>
-              <a:t>キー　　　</a:t>
-            </a:r>
-            <a:r>
-              <a:rPr lang="ja-JP" altLang="en-US" sz="2000" dirty="0">
-                <a:latin typeface="HGP創英角ﾎﾟｯﾌﾟ体" panose="040B0A00000000000000" pitchFamily="50" charset="-128"/>
-                <a:ea typeface="HGP創英角ﾎﾟｯﾌﾟ体" panose="040B0A00000000000000" pitchFamily="50" charset="-128"/>
+                <a:latin typeface="HGP創英角ｺﾞｼｯｸUB" panose="020B0900000000000000" pitchFamily="50" charset="-128"/>
+                <a:ea typeface="HGP創英角ｺﾞｼｯｸUB" panose="020B0900000000000000" pitchFamily="50" charset="-128"/>
+              </a:rPr>
+              <a:t>キー</a:t>
+            </a:r>
+            <a:r>
+              <a:rPr lang="ja-JP" altLang="en-US" sz="2000" dirty="0" smtClean="0">
+                <a:latin typeface="HGP創英角ｺﾞｼｯｸUB" panose="020B0900000000000000" pitchFamily="50" charset="-128"/>
+                <a:ea typeface="HGP創英角ｺﾞｼｯｸUB" panose="020B0900000000000000" pitchFamily="50" charset="-128"/>
+              </a:rPr>
+              <a:t>     </a:t>
+            </a:r>
+            <a:r>
+              <a:rPr lang="en-US" altLang="ja-JP" sz="2000" dirty="0" smtClean="0">
+                <a:latin typeface="HGP創英角ｺﾞｼｯｸUB" panose="020B0900000000000000" pitchFamily="50" charset="-128"/>
+                <a:ea typeface="HGP創英角ｺﾞｼｯｸUB" panose="020B0900000000000000" pitchFamily="50" charset="-128"/>
+              </a:rPr>
+              <a:t>	</a:t>
+            </a:r>
+            <a:r>
+              <a:rPr lang="ja-JP" altLang="en-US" sz="2000" dirty="0" smtClean="0">
+                <a:latin typeface="HGP創英角ｺﾞｼｯｸUB" panose="020B0900000000000000" pitchFamily="50" charset="-128"/>
+                <a:ea typeface="HGP創英角ｺﾞｼｯｸUB" panose="020B0900000000000000" pitchFamily="50" charset="-128"/>
               </a:rPr>
               <a:t>ジャンプ</a:t>
             </a:r>
             <a:endParaRPr kumimoji="1" lang="en-US" altLang="ja-JP" sz="2000" dirty="0" smtClean="0">
-              <a:latin typeface="HGP創英角ﾎﾟｯﾌﾟ体" panose="040B0A00000000000000" pitchFamily="50" charset="-128"/>
-              <a:ea typeface="HGP創英角ﾎﾟｯﾌﾟ体" panose="040B0A00000000000000" pitchFamily="50" charset="-128"/>
+              <a:latin typeface="HGP創英角ｺﾞｼｯｸUB" panose="020B0900000000000000" pitchFamily="50" charset="-128"/>
+              <a:ea typeface="HGP創英角ｺﾞｼｯｸUB" panose="020B0900000000000000" pitchFamily="50" charset="-128"/>
             </a:endParaRPr>
           </a:p>
         </p:txBody>
@@ -3753,42 +3956,42 @@
             <a:pPr algn="ctr"/>
             <a:r>
               <a:rPr lang="ja-JP" altLang="en-US" sz="1600" dirty="0">
-                <a:latin typeface="HGP創英角ﾎﾟｯﾌﾟ体" panose="040B0A00000000000000" pitchFamily="50" charset="-128"/>
-                <a:ea typeface="HGP創英角ﾎﾟｯﾌﾟ体" panose="040B0A00000000000000" pitchFamily="50" charset="-128"/>
+                <a:latin typeface="HGP創英角ｺﾞｼｯｸUB" panose="020B0900000000000000" pitchFamily="50" charset="-128"/>
+                <a:ea typeface="HGP創英角ｺﾞｼｯｸUB" panose="020B0900000000000000" pitchFamily="50" charset="-128"/>
               </a:rPr>
               <a:t>オンラインシューティングゲーム</a:t>
             </a:r>
             <a:r>
               <a:rPr lang="ja-JP" altLang="en-US" sz="1600" dirty="0" smtClean="0">
-                <a:latin typeface="HGP創英角ﾎﾟｯﾌﾟ体" panose="040B0A00000000000000" pitchFamily="50" charset="-128"/>
-                <a:ea typeface="HGP創英角ﾎﾟｯﾌﾟ体" panose="040B0A00000000000000" pitchFamily="50" charset="-128"/>
+                <a:latin typeface="HGP創英角ｺﾞｼｯｸUB" panose="020B0900000000000000" pitchFamily="50" charset="-128"/>
+                <a:ea typeface="HGP創英角ｺﾞｼｯｸUB" panose="020B0900000000000000" pitchFamily="50" charset="-128"/>
               </a:rPr>
               <a:t>です。</a:t>
             </a:r>
             <a:endParaRPr lang="en-US" altLang="ja-JP" sz="1600" dirty="0" smtClean="0">
-              <a:latin typeface="HGP創英角ﾎﾟｯﾌﾟ体" panose="040B0A00000000000000" pitchFamily="50" charset="-128"/>
-              <a:ea typeface="HGP創英角ﾎﾟｯﾌﾟ体" panose="040B0A00000000000000" pitchFamily="50" charset="-128"/>
+              <a:latin typeface="HGP創英角ｺﾞｼｯｸUB" panose="020B0900000000000000" pitchFamily="50" charset="-128"/>
+              <a:ea typeface="HGP創英角ｺﾞｼｯｸUB" panose="020B0900000000000000" pitchFamily="50" charset="-128"/>
             </a:endParaRPr>
           </a:p>
           <a:p>
             <a:pPr algn="ctr"/>
             <a:r>
               <a:rPr kumimoji="1" lang="ja-JP" altLang="en-US" sz="1600" dirty="0">
-                <a:latin typeface="HGP創英角ﾎﾟｯﾌﾟ体" panose="040B0A00000000000000" pitchFamily="50" charset="-128"/>
-                <a:ea typeface="HGP創英角ﾎﾟｯﾌﾟ体" panose="040B0A00000000000000" pitchFamily="50" charset="-128"/>
+                <a:latin typeface="HGP創英角ｺﾞｼｯｸUB" panose="020B0900000000000000" pitchFamily="50" charset="-128"/>
+                <a:ea typeface="HGP創英角ｺﾞｼｯｸUB" panose="020B0900000000000000" pitchFamily="50" charset="-128"/>
               </a:rPr>
               <a:t>現在</a:t>
             </a:r>
             <a:r>
               <a:rPr kumimoji="1" lang="ja-JP" altLang="en-US" sz="1600" dirty="0" smtClean="0">
-                <a:latin typeface="HGP創英角ﾎﾟｯﾌﾟ体" panose="040B0A00000000000000" pitchFamily="50" charset="-128"/>
-                <a:ea typeface="HGP創英角ﾎﾟｯﾌﾟ体" panose="040B0A00000000000000" pitchFamily="50" charset="-128"/>
+                <a:latin typeface="HGP創英角ｺﾞｼｯｸUB" panose="020B0900000000000000" pitchFamily="50" charset="-128"/>
+                <a:ea typeface="HGP創英角ｺﾞｼｯｸUB" panose="020B0900000000000000" pitchFamily="50" charset="-128"/>
               </a:rPr>
               <a:t>は体力がなくなっても何も起こらない状態です。</a:t>
             </a:r>
             <a:endParaRPr kumimoji="1" lang="ja-JP" altLang="en-US" sz="1600" dirty="0">
-              <a:latin typeface="HGP創英角ﾎﾟｯﾌﾟ体" panose="040B0A00000000000000" pitchFamily="50" charset="-128"/>
-              <a:ea typeface="HGP創英角ﾎﾟｯﾌﾟ体" panose="040B0A00000000000000" pitchFamily="50" charset="-128"/>
+              <a:latin typeface="HGP創英角ｺﾞｼｯｸUB" panose="020B0900000000000000" pitchFamily="50" charset="-128"/>
+              <a:ea typeface="HGP創英角ｺﾞｼｯｸUB" panose="020B0900000000000000" pitchFamily="50" charset="-128"/>
             </a:endParaRPr>
           </a:p>
         </p:txBody>
@@ -3814,7 +4017,7 @@
         </p:blipFill>
         <p:spPr>
           <a:xfrm>
-            <a:off x="155575" y="686854"/>
+            <a:off x="307975" y="629704"/>
             <a:ext cx="3078513" cy="1501542"/>
           </a:xfrm>
           <a:prstGeom prst="rect">
@@ -3843,7 +4046,7 @@
         </p:blipFill>
         <p:spPr>
           <a:xfrm>
-            <a:off x="155573" y="2790500"/>
+            <a:off x="307973" y="2733350"/>
             <a:ext cx="3078515" cy="1405289"/>
           </a:xfrm>
           <a:prstGeom prst="rect">
@@ -3872,7 +4075,7 @@
         </p:blipFill>
         <p:spPr>
           <a:xfrm>
-            <a:off x="121504" y="4535307"/>
+            <a:off x="273904" y="4478157"/>
             <a:ext cx="3112584" cy="1838005"/>
           </a:xfrm>
           <a:prstGeom prst="rect">
@@ -3888,7 +4091,7 @@
         </p:nvSpPr>
         <p:spPr>
           <a:xfrm>
-            <a:off x="121504" y="2195982"/>
+            <a:off x="273904" y="2138832"/>
             <a:ext cx="3622723" cy="584775"/>
           </a:xfrm>
           <a:prstGeom prst="rect">
@@ -3904,41 +4107,41 @@
           <a:p>
             <a:r>
               <a:rPr lang="en-US" altLang="ja-JP" sz="1600" dirty="0" err="1" smtClean="0">
-                <a:latin typeface="HGP創英角ﾎﾟｯﾌﾟ体" panose="040B0A00000000000000" pitchFamily="50" charset="-128"/>
-                <a:ea typeface="HGP創英角ﾎﾟｯﾌﾟ体" panose="040B0A00000000000000" pitchFamily="50" charset="-128"/>
+                <a:latin typeface="HGP創英角ｺﾞｼｯｸUB" panose="020B0900000000000000" pitchFamily="50" charset="-128"/>
+                <a:ea typeface="HGP創英角ｺﾞｼｯｸUB" panose="020B0900000000000000" pitchFamily="50" charset="-128"/>
               </a:rPr>
               <a:t>CreateRoom</a:t>
             </a:r>
             <a:r>
               <a:rPr lang="ja-JP" altLang="en-US" sz="1600" dirty="0" smtClean="0">
-                <a:latin typeface="HGP創英角ﾎﾟｯﾌﾟ体" panose="040B0A00000000000000" pitchFamily="50" charset="-128"/>
-                <a:ea typeface="HGP創英角ﾎﾟｯﾌﾟ体" panose="040B0A00000000000000" pitchFamily="50" charset="-128"/>
+                <a:latin typeface="HGP創英角ｺﾞｼｯｸUB" panose="020B0900000000000000" pitchFamily="50" charset="-128"/>
+                <a:ea typeface="HGP創英角ｺﾞｼｯｸUB" panose="020B0900000000000000" pitchFamily="50" charset="-128"/>
               </a:rPr>
               <a:t>  部屋を作る</a:t>
             </a:r>
             <a:endParaRPr lang="en-US" altLang="ja-JP" sz="1600" dirty="0" smtClean="0">
-              <a:latin typeface="HGP創英角ﾎﾟｯﾌﾟ体" panose="040B0A00000000000000" pitchFamily="50" charset="-128"/>
-              <a:ea typeface="HGP創英角ﾎﾟｯﾌﾟ体" panose="040B0A00000000000000" pitchFamily="50" charset="-128"/>
+              <a:latin typeface="HGP創英角ｺﾞｼｯｸUB" panose="020B0900000000000000" pitchFamily="50" charset="-128"/>
+              <a:ea typeface="HGP創英角ｺﾞｼｯｸUB" panose="020B0900000000000000" pitchFamily="50" charset="-128"/>
             </a:endParaRPr>
           </a:p>
           <a:p>
             <a:r>
               <a:rPr lang="en-US" altLang="ja-JP" sz="1600" dirty="0" smtClean="0">
-                <a:latin typeface="HGP創英角ﾎﾟｯﾌﾟ体" panose="040B0A00000000000000" pitchFamily="50" charset="-128"/>
-                <a:ea typeface="HGP創英角ﾎﾟｯﾌﾟ体" panose="040B0A00000000000000" pitchFamily="50" charset="-128"/>
+                <a:latin typeface="HGP創英角ｺﾞｼｯｸUB" panose="020B0900000000000000" pitchFamily="50" charset="-128"/>
+                <a:ea typeface="HGP創英角ｺﾞｼｯｸUB" panose="020B0900000000000000" pitchFamily="50" charset="-128"/>
               </a:rPr>
               <a:t>Find Room     </a:t>
             </a:r>
             <a:r>
               <a:rPr lang="ja-JP" altLang="en-US" sz="1600" dirty="0" smtClean="0">
-                <a:latin typeface="HGP創英角ﾎﾟｯﾌﾟ体" panose="040B0A00000000000000" pitchFamily="50" charset="-128"/>
-                <a:ea typeface="HGP創英角ﾎﾟｯﾌﾟ体" panose="040B0A00000000000000" pitchFamily="50" charset="-128"/>
+                <a:latin typeface="HGP創英角ｺﾞｼｯｸUB" panose="020B0900000000000000" pitchFamily="50" charset="-128"/>
+                <a:ea typeface="HGP創英角ｺﾞｼｯｸUB" panose="020B0900000000000000" pitchFamily="50" charset="-128"/>
               </a:rPr>
               <a:t>作られている部屋に入る</a:t>
             </a:r>
             <a:endParaRPr lang="en-US" altLang="ja-JP" sz="1600" dirty="0" smtClean="0">
-              <a:latin typeface="HGP創英角ﾎﾟｯﾌﾟ体" panose="040B0A00000000000000" pitchFamily="50" charset="-128"/>
-              <a:ea typeface="HGP創英角ﾎﾟｯﾌﾟ体" panose="040B0A00000000000000" pitchFamily="50" charset="-128"/>
+              <a:latin typeface="HGP創英角ｺﾞｼｯｸUB" panose="020B0900000000000000" pitchFamily="50" charset="-128"/>
+              <a:ea typeface="HGP創英角ｺﾞｼｯｸUB" panose="020B0900000000000000" pitchFamily="50" charset="-128"/>
             </a:endParaRPr>
           </a:p>
         </p:txBody>
@@ -3951,7 +4154,7 @@
         </p:nvSpPr>
         <p:spPr>
           <a:xfrm>
-            <a:off x="55768" y="4182448"/>
+            <a:off x="208168" y="4125298"/>
             <a:ext cx="4124407" cy="338554"/>
           </a:xfrm>
           <a:prstGeom prst="rect">
@@ -3967,14 +4170,14 @@
           <a:p>
             <a:r>
               <a:rPr lang="ja-JP" altLang="en-US" sz="1600" dirty="0" smtClean="0">
-                <a:latin typeface="HGP創英角ﾎﾟｯﾌﾟ体" panose="040B0A00000000000000" pitchFamily="50" charset="-128"/>
-                <a:ea typeface="HGP創英角ﾎﾟｯﾌﾟ体" panose="040B0A00000000000000" pitchFamily="50" charset="-128"/>
+                <a:latin typeface="HGP創英角ｺﾞｼｯｸUB" panose="020B0900000000000000" pitchFamily="50" charset="-128"/>
+                <a:ea typeface="HGP創英角ｺﾞｼｯｸUB" panose="020B0900000000000000" pitchFamily="50" charset="-128"/>
               </a:rPr>
               <a:t>部屋の名前を付ける（半角のみ対応）</a:t>
             </a:r>
             <a:endParaRPr kumimoji="1" lang="ja-JP" altLang="en-US" sz="1600" dirty="0">
-              <a:latin typeface="HGP創英角ﾎﾟｯﾌﾟ体" panose="040B0A00000000000000" pitchFamily="50" charset="-128"/>
-              <a:ea typeface="HGP創英角ﾎﾟｯﾌﾟ体" panose="040B0A00000000000000" pitchFamily="50" charset="-128"/>
+              <a:latin typeface="HGP創英角ｺﾞｼｯｸUB" panose="020B0900000000000000" pitchFamily="50" charset="-128"/>
+              <a:ea typeface="HGP創英角ｺﾞｼｯｸUB" panose="020B0900000000000000" pitchFamily="50" charset="-128"/>
             </a:endParaRPr>
           </a:p>
         </p:txBody>
@@ -3987,7 +4190,7 @@
         </p:nvSpPr>
         <p:spPr>
           <a:xfrm>
-            <a:off x="55768" y="6388849"/>
+            <a:off x="208168" y="6331699"/>
             <a:ext cx="5392271" cy="338554"/>
           </a:xfrm>
           <a:prstGeom prst="rect">
@@ -4003,35 +4206,35 @@
           <a:p>
             <a:r>
               <a:rPr lang="en-US" altLang="ja-JP" sz="1600" dirty="0" smtClean="0">
-                <a:latin typeface="HGP創英角ﾎﾟｯﾌﾟ体" panose="040B0A00000000000000" pitchFamily="50" charset="-128"/>
-                <a:ea typeface="HGP創英角ﾎﾟｯﾌﾟ体" panose="040B0A00000000000000" pitchFamily="50" charset="-128"/>
+                <a:latin typeface="HGP創英角ｺﾞｼｯｸUB" panose="020B0900000000000000" pitchFamily="50" charset="-128"/>
+                <a:ea typeface="HGP創英角ｺﾞｼｯｸUB" panose="020B0900000000000000" pitchFamily="50" charset="-128"/>
               </a:rPr>
               <a:t>Start Game </a:t>
             </a:r>
             <a:r>
               <a:rPr kumimoji="1" lang="ja-JP" altLang="en-US" sz="1600" dirty="0" smtClean="0">
-                <a:latin typeface="HGP創英角ﾎﾟｯﾌﾟ体" panose="040B0A00000000000000" pitchFamily="50" charset="-128"/>
-                <a:ea typeface="HGP創英角ﾎﾟｯﾌﾟ体" panose="040B0A00000000000000" pitchFamily="50" charset="-128"/>
+                <a:latin typeface="HGP創英角ｺﾞｼｯｸUB" panose="020B0900000000000000" pitchFamily="50" charset="-128"/>
+                <a:ea typeface="HGP創英角ｺﾞｼｯｸUB" panose="020B0900000000000000" pitchFamily="50" charset="-128"/>
               </a:rPr>
               <a:t>参加</a:t>
             </a:r>
             <a:r>
               <a:rPr kumimoji="1" lang="ja-JP" altLang="en-US" sz="1600" dirty="0">
-                <a:latin typeface="HGP創英角ﾎﾟｯﾌﾟ体" panose="040B0A00000000000000" pitchFamily="50" charset="-128"/>
-                <a:ea typeface="HGP創英角ﾎﾟｯﾌﾟ体" panose="040B0A00000000000000" pitchFamily="50" charset="-128"/>
+                <a:latin typeface="HGP創英角ｺﾞｼｯｸUB" panose="020B0900000000000000" pitchFamily="50" charset="-128"/>
+                <a:ea typeface="HGP創英角ｺﾞｼｯｸUB" panose="020B0900000000000000" pitchFamily="50" charset="-128"/>
               </a:rPr>
               <a:t>している人</a:t>
             </a:r>
             <a:r>
               <a:rPr kumimoji="1" lang="ja-JP" altLang="en-US" sz="1600" dirty="0" smtClean="0">
-                <a:latin typeface="HGP創英角ﾎﾟｯﾌﾟ体" panose="040B0A00000000000000" pitchFamily="50" charset="-128"/>
-                <a:ea typeface="HGP創英角ﾎﾟｯﾌﾟ体" panose="040B0A00000000000000" pitchFamily="50" charset="-128"/>
+                <a:latin typeface="HGP創英角ｺﾞｼｯｸUB" panose="020B0900000000000000" pitchFamily="50" charset="-128"/>
+                <a:ea typeface="HGP創英角ｺﾞｼｯｸUB" panose="020B0900000000000000" pitchFamily="50" charset="-128"/>
               </a:rPr>
               <a:t>でゲームを始める</a:t>
             </a:r>
             <a:endParaRPr kumimoji="1" lang="ja-JP" altLang="en-US" sz="1600" dirty="0">
-              <a:latin typeface="HGP創英角ﾎﾟｯﾌﾟ体" panose="040B0A00000000000000" pitchFamily="50" charset="-128"/>
-              <a:ea typeface="HGP創英角ﾎﾟｯﾌﾟ体" panose="040B0A00000000000000" pitchFamily="50" charset="-128"/>
+              <a:latin typeface="HGP創英角ｺﾞｼｯｸUB" panose="020B0900000000000000" pitchFamily="50" charset="-128"/>
+              <a:ea typeface="HGP創英角ｺﾞｼｯｸUB" panose="020B0900000000000000" pitchFamily="50" charset="-128"/>
             </a:endParaRPr>
           </a:p>
         </p:txBody>
@@ -4058,14 +4261,118 @@
         </p:blipFill>
         <p:spPr>
           <a:xfrm>
-            <a:off x="4019873" y="1387077"/>
-            <a:ext cx="4302211" cy="2410186"/>
+            <a:off x="4110295" y="1273616"/>
+            <a:ext cx="3961884" cy="2219528"/>
           </a:xfrm>
           <a:prstGeom prst="rect">
             <a:avLst/>
           </a:prstGeom>
         </p:spPr>
       </p:pic>
+      <p:pic>
+        <p:nvPicPr>
+          <p:cNvPr id="4" name="図 3"/>
+          <p:cNvPicPr>
+            <a:picLocks noChangeAspect="1"/>
+          </p:cNvPicPr>
+          <p:nvPr/>
+        </p:nvPicPr>
+        <p:blipFill>
+          <a:blip r:embed="rId11" cstate="print">
+            <a:extLst>
+              <a:ext uri="{28A0092B-C50C-407E-A947-70E740481C1C}">
+                <a14:useLocalDpi xmlns:a14="http://schemas.microsoft.com/office/drawing/2010/main" val="0"/>
+              </a:ext>
+            </a:extLst>
+          </a:blip>
+          <a:stretch>
+            <a:fillRect/>
+          </a:stretch>
+        </p:blipFill>
+        <p:spPr>
+          <a:xfrm>
+            <a:off x="9448102" y="450312"/>
+            <a:ext cx="2112827" cy="2944043"/>
+          </a:xfrm>
+          <a:prstGeom prst="rect">
+            <a:avLst/>
+          </a:prstGeom>
+        </p:spPr>
+      </p:pic>
+      <p:sp>
+        <p:nvSpPr>
+          <p:cNvPr id="22" name="テキスト ボックス 21"/>
+          <p:cNvSpPr txBox="1"/>
+          <p:nvPr/>
+        </p:nvSpPr>
+        <p:spPr>
+          <a:xfrm>
+            <a:off x="-1" y="3557410"/>
+            <a:ext cx="12182475" cy="338554"/>
+          </a:xfrm>
+          <a:prstGeom prst="rect">
+            <a:avLst/>
+          </a:prstGeom>
+          <a:noFill/>
+        </p:spPr>
+        <p:txBody>
+          <a:bodyPr wrap="square" rtlCol="0">
+            <a:spAutoFit/>
+          </a:bodyPr>
+          <a:lstStyle/>
+          <a:p>
+            <a:pPr algn="ctr"/>
+            <a:r>
+              <a:rPr kumimoji="1" lang="ja-JP" altLang="en-US" sz="1600" dirty="0" smtClean="0">
+                <a:latin typeface="HGP創英角ｺﾞｼｯｸUB" panose="020B0900000000000000" pitchFamily="50" charset="-128"/>
+                <a:ea typeface="HGP創英角ｺﾞｼｯｸUB" panose="020B0900000000000000" pitchFamily="50" charset="-128"/>
+              </a:rPr>
+              <a:t>プレイ画面</a:t>
+            </a:r>
+            <a:endParaRPr kumimoji="1" lang="ja-JP" altLang="en-US" sz="1600" dirty="0">
+              <a:latin typeface="HGP創英角ｺﾞｼｯｸUB" panose="020B0900000000000000" pitchFamily="50" charset="-128"/>
+              <a:ea typeface="HGP創英角ｺﾞｼｯｸUB" panose="020B0900000000000000" pitchFamily="50" charset="-128"/>
+            </a:endParaRPr>
+          </a:p>
+        </p:txBody>
+      </p:sp>
+      <p:sp>
+        <p:nvSpPr>
+          <p:cNvPr id="23" name="テキスト ボックス 22"/>
+          <p:cNvSpPr txBox="1"/>
+          <p:nvPr/>
+        </p:nvSpPr>
+        <p:spPr>
+          <a:xfrm>
+            <a:off x="8948386" y="3495854"/>
+            <a:ext cx="3305175" cy="400110"/>
+          </a:xfrm>
+          <a:prstGeom prst="rect">
+            <a:avLst/>
+          </a:prstGeom>
+          <a:noFill/>
+        </p:spPr>
+        <p:txBody>
+          <a:bodyPr wrap="square" rtlCol="0">
+            <a:spAutoFit/>
+          </a:bodyPr>
+          <a:lstStyle/>
+          <a:p>
+            <a:pPr algn="ctr"/>
+            <a:r>
+              <a:rPr lang="ja-JP" altLang="en-US" sz="2000" dirty="0" smtClean="0">
+                <a:latin typeface="HGP創英角ｺﾞｼｯｸUB" panose="020B0900000000000000" pitchFamily="50" charset="-128"/>
+                <a:ea typeface="HGP創英角ｺﾞｼｯｸUB" panose="020B0900000000000000" pitchFamily="50" charset="-128"/>
+              </a:rPr>
+              <a:t>完成イメージ</a:t>
+            </a:r>
+            <a:endParaRPr kumimoji="1" lang="en-US" altLang="ja-JP" sz="2000" dirty="0" smtClean="0">
+              <a:latin typeface="HGP創英角ｺﾞｼｯｸUB" panose="020B0900000000000000" pitchFamily="50" charset="-128"/>
+              <a:ea typeface="HGP創英角ｺﾞｼｯｸUB" panose="020B0900000000000000" pitchFamily="50" charset="-128"/>
+            </a:endParaRPr>
+          </a:p>
+        </p:txBody>
+      </p:sp>
     </p:spTree>
     <p:extLst>
       <p:ext uri="{BB962C8B-B14F-4D97-AF65-F5344CB8AC3E}">
